--- a/tree/2022秋季-数据结构-第4章-树b.pptx
+++ b/tree/2022秋季-数据结构-第4章-树b.pptx
@@ -119,7 +119,7 @@
       </a:defRPr>
     </a:lvl9pPr>
   </p:defaultTextStyle>
-  <p:modifyVerifier cryptProviderType="rsaFull" cryptAlgorithmClass="hash" cryptAlgorithmType="typeAny" cryptAlgorithmSid="4" spinCount="100000" saltData="fU5SlKlQSTorcFhoCFOo0g==" hashData="FWoRp+F/Jp9uOiFTduTm70uulOA="/>
+  <p:modifyVerifier cryptProviderType="rsaFull" cryptAlgorithmClass="hash" cryptAlgorithmType="typeAny" cryptAlgorithmSid="4" spinCount="100000" saltData="ayXQzFpi0BWs2VCjgSTt4A==" hashData="4KUzihaDVwiT5zI8hidjLpku5zI="/>
 </p:presentation>
 </file>
 
@@ -1150,8 +1150,8 @@
                   </a:schemeClr>
                 </a:solidFill>
                 <a:uFillTx/>
-                <a:latin typeface="Arial" panose="020B0604020202020204" pitchFamily="34" charset="0"/>
-                <a:ea typeface="黑体" charset="0"/>
+                <a:latin typeface="Heiti SC Light" panose="02000000000000000000" charset="-122"/>
+                <a:ea typeface="Heiti SC Light" panose="02000000000000000000" charset="-122"/>
               </a:defRPr>
             </a:lvl1pPr>
             <a:lvl2pPr>
@@ -1163,8 +1163,8 @@
                   </a:schemeClr>
                 </a:solidFill>
                 <a:uFillTx/>
-                <a:latin typeface="Arial" panose="020B0604020202020204" pitchFamily="34" charset="0"/>
-                <a:ea typeface="黑体" charset="0"/>
+                <a:latin typeface="Heiti SC Light" panose="02000000000000000000" charset="-122"/>
+                <a:ea typeface="Heiti SC Light" panose="02000000000000000000" charset="-122"/>
               </a:defRPr>
             </a:lvl2pPr>
             <a:lvl3pPr>
@@ -1176,8 +1176,8 @@
                   </a:schemeClr>
                 </a:solidFill>
                 <a:uFillTx/>
-                <a:latin typeface="Arial" panose="020B0604020202020204" pitchFamily="34" charset="0"/>
-                <a:ea typeface="黑体" charset="0"/>
+                <a:latin typeface="Heiti SC Light" panose="02000000000000000000" charset="-122"/>
+                <a:ea typeface="Heiti SC Light" panose="02000000000000000000" charset="-122"/>
               </a:defRPr>
             </a:lvl3pPr>
             <a:lvl4pPr>
@@ -1189,8 +1189,8 @@
                   </a:schemeClr>
                 </a:solidFill>
                 <a:uFillTx/>
-                <a:latin typeface="Arial" panose="020B0604020202020204" pitchFamily="34" charset="0"/>
-                <a:ea typeface="黑体" charset="0"/>
+                <a:latin typeface="Heiti SC Light" panose="02000000000000000000" charset="-122"/>
+                <a:ea typeface="Heiti SC Light" panose="02000000000000000000" charset="-122"/>
               </a:defRPr>
             </a:lvl4pPr>
             <a:lvl5pPr>
@@ -1202,8 +1202,8 @@
                   </a:schemeClr>
                 </a:solidFill>
                 <a:uFillTx/>
-                <a:latin typeface="Arial" panose="020B0604020202020204" pitchFamily="34" charset="0"/>
-                <a:ea typeface="黑体" charset="0"/>
+                <a:latin typeface="Heiti SC Light" panose="02000000000000000000" charset="-122"/>
+                <a:ea typeface="Heiti SC Light" panose="02000000000000000000" charset="-122"/>
               </a:defRPr>
             </a:lvl5pPr>
           </a:lstStyle>
